--- a/adv_new/Module 09 - Collections.pptx
+++ b/adv_new/Module 09 - Collections.pptx
@@ -530,7 +530,7 @@
           <a:p>
             <a:fld id="{81043921-7569-41A3-B947-8944ED878C50}" type="datetimeFigureOut">
               <a:rPr lang="he-IL" smtClean="0"/>
-              <a:t>ו'/תמוז/תשפ"ג</a:t>
+              <a:t>כ'/תמוז/תשפ"ג</a:t>
             </a:fld>
             <a:endParaRPr lang="he-IL"/>
           </a:p>
@@ -6913,7 +6913,7 @@
           <a:p>
             <a:fld id="{A9D9B7D1-305C-49A9-9D59-000E5D30F1FD}" type="datetimeFigureOut">
               <a:rPr lang="he-IL" smtClean="0"/>
-              <a:t>ו'/תמוז/תשפ"ג</a:t>
+              <a:t>כ'/תמוז/תשפ"ג</a:t>
             </a:fld>
             <a:endParaRPr lang="he-IL"/>
           </a:p>
@@ -7113,7 +7113,7 @@
           <a:p>
             <a:fld id="{A9D9B7D1-305C-49A9-9D59-000E5D30F1FD}" type="datetimeFigureOut">
               <a:rPr lang="he-IL" smtClean="0"/>
-              <a:t>ו'/תמוז/תשפ"ג</a:t>
+              <a:t>כ'/תמוז/תשפ"ג</a:t>
             </a:fld>
             <a:endParaRPr lang="he-IL"/>
           </a:p>
@@ -7323,7 +7323,7 @@
           <a:p>
             <a:fld id="{A9D9B7D1-305C-49A9-9D59-000E5D30F1FD}" type="datetimeFigureOut">
               <a:rPr lang="he-IL" smtClean="0"/>
-              <a:t>ו'/תמוז/תשפ"ג</a:t>
+              <a:t>כ'/תמוז/תשפ"ג</a:t>
             </a:fld>
             <a:endParaRPr lang="he-IL"/>
           </a:p>
@@ -9457,7 +9457,7 @@
           <a:p>
             <a:fld id="{A9D9B7D1-305C-49A9-9D59-000E5D30F1FD}" type="datetimeFigureOut">
               <a:rPr lang="he-IL" smtClean="0"/>
-              <a:t>ו'/תמוז/תשפ"ג</a:t>
+              <a:t>כ'/תמוז/תשפ"ג</a:t>
             </a:fld>
             <a:endParaRPr lang="he-IL"/>
           </a:p>
@@ -9733,7 +9733,7 @@
           <a:p>
             <a:fld id="{A9D9B7D1-305C-49A9-9D59-000E5D30F1FD}" type="datetimeFigureOut">
               <a:rPr lang="he-IL" smtClean="0"/>
-              <a:t>ו'/תמוז/תשפ"ג</a:t>
+              <a:t>כ'/תמוז/תשפ"ג</a:t>
             </a:fld>
             <a:endParaRPr lang="he-IL"/>
           </a:p>
@@ -10001,7 +10001,7 @@
           <a:p>
             <a:fld id="{A9D9B7D1-305C-49A9-9D59-000E5D30F1FD}" type="datetimeFigureOut">
               <a:rPr lang="he-IL" smtClean="0"/>
-              <a:t>ו'/תמוז/תשפ"ג</a:t>
+              <a:t>כ'/תמוז/תשפ"ג</a:t>
             </a:fld>
             <a:endParaRPr lang="he-IL"/>
           </a:p>
@@ -10416,7 +10416,7 @@
           <a:p>
             <a:fld id="{A9D9B7D1-305C-49A9-9D59-000E5D30F1FD}" type="datetimeFigureOut">
               <a:rPr lang="he-IL" smtClean="0"/>
-              <a:t>ו'/תמוז/תשפ"ג</a:t>
+              <a:t>כ'/תמוז/תשפ"ג</a:t>
             </a:fld>
             <a:endParaRPr lang="he-IL"/>
           </a:p>
@@ -10558,7 +10558,7 @@
           <a:p>
             <a:fld id="{A9D9B7D1-305C-49A9-9D59-000E5D30F1FD}" type="datetimeFigureOut">
               <a:rPr lang="he-IL" smtClean="0"/>
-              <a:t>ו'/תמוז/תשפ"ג</a:t>
+              <a:t>כ'/תמוז/תשפ"ג</a:t>
             </a:fld>
             <a:endParaRPr lang="he-IL"/>
           </a:p>
@@ -10671,7 +10671,7 @@
           <a:p>
             <a:fld id="{A9D9B7D1-305C-49A9-9D59-000E5D30F1FD}" type="datetimeFigureOut">
               <a:rPr lang="he-IL" smtClean="0"/>
-              <a:t>ו'/תמוז/תשפ"ג</a:t>
+              <a:t>כ'/תמוז/תשפ"ג</a:t>
             </a:fld>
             <a:endParaRPr lang="he-IL"/>
           </a:p>
@@ -10984,7 +10984,7 @@
           <a:p>
             <a:fld id="{A9D9B7D1-305C-49A9-9D59-000E5D30F1FD}" type="datetimeFigureOut">
               <a:rPr lang="he-IL" smtClean="0"/>
-              <a:t>ו'/תמוז/תשפ"ג</a:t>
+              <a:t>כ'/תמוז/תשפ"ג</a:t>
             </a:fld>
             <a:endParaRPr lang="he-IL"/>
           </a:p>
@@ -11273,7 +11273,7 @@
           <a:p>
             <a:fld id="{A9D9B7D1-305C-49A9-9D59-000E5D30F1FD}" type="datetimeFigureOut">
               <a:rPr lang="he-IL" smtClean="0"/>
-              <a:t>ו'/תמוז/תשפ"ג</a:t>
+              <a:t>כ'/תמוז/תשפ"ג</a:t>
             </a:fld>
             <a:endParaRPr lang="he-IL"/>
           </a:p>
@@ -11516,7 +11516,7 @@
           <a:p>
             <a:fld id="{A9D9B7D1-305C-49A9-9D59-000E5D30F1FD}" type="datetimeFigureOut">
               <a:rPr lang="he-IL" smtClean="0"/>
-              <a:t>ו'/תמוז/תשפ"ג</a:t>
+              <a:t>כ'/תמוז/תשפ"ג</a:t>
             </a:fld>
             <a:endParaRPr lang="he-IL"/>
           </a:p>
@@ -18075,7 +18075,23 @@
             </a:pPr>
             <a:r>
               <a:rPr lang="en-US" dirty="0"/>
-              <a:t>For in-place operations such as c[key] += 1, the value type need only support addition and subtraction. So fractions, floats, and decimals would work and negative values are supported. The same is also true for update() and subtract() which allow negative and zero values for both inputs and outputs.</a:t>
+              <a:t>For in-place operations such as c[key] += 1, the value type need only support addition and subtraction. So fractions, floats, and decimals would work and negative values are supported. The same is also true for </a:t>
+            </a:r>
+            <a:r>
+              <a:rPr lang="en-US" b="1" dirty="0"/>
+              <a:t>update() </a:t>
+            </a:r>
+            <a:r>
+              <a:rPr lang="en-US" dirty="0"/>
+              <a:t>and </a:t>
+            </a:r>
+            <a:r>
+              <a:rPr lang="en-US" b="1" dirty="0"/>
+              <a:t>subtract() </a:t>
+            </a:r>
+            <a:r>
+              <a:rPr lang="en-US" dirty="0"/>
+              <a:t>which allow negative and zero values for both inputs and outputs.</a:t>
             </a:r>
           </a:p>
           <a:p>
@@ -18109,7 +18125,15 @@
             </a:pPr>
             <a:r>
               <a:rPr lang="en-US" dirty="0"/>
-              <a:t>The elements() method requires integer counts. It ignores zero and negative counts.</a:t>
+              <a:t>The </a:t>
+            </a:r>
+            <a:r>
+              <a:rPr lang="en-US" b="1" dirty="0"/>
+              <a:t>elements() </a:t>
+            </a:r>
+            <a:r>
+              <a:rPr lang="en-US" dirty="0"/>
+              <a:t>method requires integer counts. It ignores zero and negative counts.</a:t>
             </a:r>
           </a:p>
         </p:txBody>
